--- a/NLP_MediumPosts_Classification.pptx
+++ b/NLP_MediumPosts_Classification.pptx
@@ -273,18 +273,18 @@
   <pc:docChgLst>
     <pc:chgData name="Kolusu, Lakshmi Ravi Chandu" userId="e676009f-a005-4cd6-b6d8-76433041cf28" providerId="ADAL" clId="{6ED66252-DA85-46EB-889F-D3EFC2406122}"/>
     <pc:docChg chg="custSel modSld">
-      <pc:chgData name="Kolusu, Lakshmi Ravi Chandu" userId="e676009f-a005-4cd6-b6d8-76433041cf28" providerId="ADAL" clId="{6ED66252-DA85-46EB-889F-D3EFC2406122}" dt="2024-04-09T00:49:51.097" v="15" actId="478"/>
+      <pc:chgData name="Kolusu, Lakshmi Ravi Chandu" userId="e676009f-a005-4cd6-b6d8-76433041cf28" providerId="ADAL" clId="{6ED66252-DA85-46EB-889F-D3EFC2406122}" dt="2024-04-10T01:23:43.650" v="17" actId="20577"/>
       <pc:docMkLst>
         <pc:docMk/>
       </pc:docMkLst>
       <pc:sldChg chg="modSp mod">
-        <pc:chgData name="Kolusu, Lakshmi Ravi Chandu" userId="e676009f-a005-4cd6-b6d8-76433041cf28" providerId="ADAL" clId="{6ED66252-DA85-46EB-889F-D3EFC2406122}" dt="2024-04-09T00:48:55.067" v="5" actId="14100"/>
+        <pc:chgData name="Kolusu, Lakshmi Ravi Chandu" userId="e676009f-a005-4cd6-b6d8-76433041cf28" providerId="ADAL" clId="{6ED66252-DA85-46EB-889F-D3EFC2406122}" dt="2024-04-10T01:23:43.650" v="17" actId="20577"/>
         <pc:sldMkLst>
           <pc:docMk/>
           <pc:sldMk cId="0" sldId="256"/>
         </pc:sldMkLst>
         <pc:spChg chg="mod">
-          <ac:chgData name="Kolusu, Lakshmi Ravi Chandu" userId="e676009f-a005-4cd6-b6d8-76433041cf28" providerId="ADAL" clId="{6ED66252-DA85-46EB-889F-D3EFC2406122}" dt="2024-04-09T00:48:55.067" v="5" actId="14100"/>
+          <ac:chgData name="Kolusu, Lakshmi Ravi Chandu" userId="e676009f-a005-4cd6-b6d8-76433041cf28" providerId="ADAL" clId="{6ED66252-DA85-46EB-889F-D3EFC2406122}" dt="2024-04-10T01:23:43.650" v="17" actId="20577"/>
           <ac:spMkLst>
             <pc:docMk/>
             <pc:sldMk cId="0" sldId="256"/>
@@ -6209,7 +6209,23 @@
                   <a:schemeClr val="dk2"/>
                 </a:solidFill>
               </a:rPr>
-              <a:t>Lakshmi Ravi Chandu Kolusu </a:t>
+              <a:t>L</a:t>
+            </a:r>
+            <a:r>
+              <a:rPr lang="en-US" sz="1800">
+                <a:solidFill>
+                  <a:schemeClr val="dk2"/>
+                </a:solidFill>
+              </a:rPr>
+              <a:t>akshmi </a:t>
+            </a:r>
+            <a:r>
+              <a:rPr lang="en-US" sz="1800" dirty="0">
+                <a:solidFill>
+                  <a:schemeClr val="dk2"/>
+                </a:solidFill>
+              </a:rPr>
+              <a:t>Ravi Chandu Kolusu </a:t>
             </a:r>
             <a:endParaRPr sz="1800" dirty="0">
               <a:solidFill>
